--- a/Esercitazione 0.pptx
+++ b/Esercitazione 0.pptx
@@ -16090,12 +16090,12 @@
           <a:lstStyle/>
           <a:p>
             <a:r>
-              <a:rPr lang="en-US"/>
-              <a:t>Soluzione </a:t>
+              <a:rPr lang="en-US" dirty="0" err="1"/>
+              <a:t>Soluzione</a:t>
             </a:r>
             <a:r>
               <a:rPr lang="en-US" dirty="0"/>
-              <a:t>di: Francesco </a:t>
+              <a:t> di: Francesco </a:t>
             </a:r>
             <a:r>
               <a:rPr lang="en-US" dirty="0" err="1"/>
